--- a/documente/Prezentare PowerPoint.pptx
+++ b/documente/Prezentare PowerPoint.pptx
@@ -28,14 +28,14 @@
   <p:notesSz cx="6858000" cy="9144000"/>
   <p:embeddedFontLst>
     <p:embeddedFont>
-      <p:font typeface="Calibri" pitchFamily="34" charset="0"/>
+      <p:font typeface="Roboto" charset="0"/>
       <p:regular r:id="rId18"/>
       <p:bold r:id="rId19"/>
       <p:italic r:id="rId20"/>
       <p:boldItalic r:id="rId21"/>
     </p:embeddedFont>
     <p:embeddedFont>
-      <p:font typeface="Roboto" charset="0"/>
+      <p:font typeface="Calibri" pitchFamily="34" charset="0"/>
       <p:regular r:id="rId22"/>
       <p:bold r:id="rId23"/>
       <p:italic r:id="rId24"/>
@@ -280,7 +280,7 @@
   </p:defaultTextStyle>
   <p:extLst>
     <p:ext uri="{EFAFB233-063F-42B5-8137-9DF3F51BA10A}">
-      <p15:sldGuideLst xmlns="" xmlns:mc="http://schemas.openxmlformats.org/markup-compatibility/2006" xmlns:mv="urn:schemas-microsoft-com:mac:vml" xmlns:c="http://schemas.openxmlformats.org/drawingml/2006/chart" xmlns:dgm="http://schemas.openxmlformats.org/drawingml/2006/diagram" xmlns:o="urn:schemas-microsoft-com:office:office" xmlns:v="urn:schemas-microsoft-com:vml" xmlns:pvml="urn:schemas-microsoft-com:office:powerpoint" xmlns:com="http://schemas.openxmlformats.org/drawingml/2006/compatibility" xmlns:p14="http://schemas.microsoft.com/office/powerpoint/2010/main" xmlns:p15="http://schemas.microsoft.com/office/powerpoint/2012/main" xmlns:ahyp="http://schemas.microsoft.com/office/drawing/2018/hyperlinkcolor">
+      <p15:sldGuideLst xmlns:ahyp="http://schemas.microsoft.com/office/drawing/2018/hyperlinkcolor" xmlns:p15="http://schemas.microsoft.com/office/powerpoint/2012/main" xmlns:p14="http://schemas.microsoft.com/office/powerpoint/2010/main" xmlns:com="http://schemas.openxmlformats.org/drawingml/2006/compatibility" xmlns:pvml="urn:schemas-microsoft-com:office:powerpoint" xmlns:v="urn:schemas-microsoft-com:vml" xmlns:o="urn:schemas-microsoft-com:office:office" xmlns:dgm="http://schemas.openxmlformats.org/drawingml/2006/diagram" xmlns:c="http://schemas.openxmlformats.org/drawingml/2006/chart" xmlns:mv="urn:schemas-microsoft-com:mac:vml" xmlns:mc="http://schemas.openxmlformats.org/markup-compatibility/2006" xmlns="">
         <p15:guide id="1" orient="horz" pos="1620">
           <p15:clr>
             <a:srgbClr val="747775"/>
@@ -7048,7 +7048,7 @@
               <a:buNone/>
             </a:pPr>
             <a:r>
-              <a:rPr lang="en" sz="4000" b="1" i="1" baseline="-25000" dirty="0" smtClean="0">
+              <a:rPr lang="en" sz="4000" b="1" i="1" baseline="-25000" smtClean="0">
                 <a:solidFill>
                   <a:srgbClr val="FCE5CD"/>
                 </a:solidFill>
@@ -7057,7 +7057,7 @@
                 <a:cs typeface="Calibri" pitchFamily="34" charset="0"/>
                 <a:sym typeface="Roboto"/>
               </a:rPr>
-              <a:t>Data</a:t>
+              <a:t>Data     31.07.2024</a:t>
             </a:r>
             <a:endParaRPr lang="en" sz="4000" b="1" i="1" baseline="-25000" dirty="0">
               <a:solidFill>
